--- a/03-h-Mn/Pictures/TauffRelax.pptx
+++ b/03-h-Mn/Pictures/TauffRelax.pptx
@@ -10,14 +10,14 @@
   <p:sldIdLst>
     <p:sldId id="293" r:id="rId2"/>
   </p:sldIdLst>
-  <p:sldSz cx="3889375" cy="4789488"/>
+  <p:sldSz cx="4789488" cy="5868988"/>
   <p:notesSz cx="6797675" cy="9926638"/>
   <p:defaultTextStyle>
     <a:defPPr>
       <a:defRPr lang="en-US"/>
     </a:defPPr>
-    <a:lvl1pPr marL="0" algn="l" defTabSz="493642" rtl="0" eaLnBrk="1" latinLnBrk="0" hangingPunct="1">
-      <a:defRPr sz="1000" kern="1200">
+    <a:lvl1pPr marL="0" algn="l" defTabSz="595898" rtl="0" eaLnBrk="1" latinLnBrk="0" hangingPunct="1">
+      <a:defRPr sz="1200" kern="1200">
         <a:solidFill>
           <a:schemeClr val="tx1"/>
         </a:solidFill>
@@ -26,8 +26,8 @@
         <a:cs typeface="+mn-cs"/>
       </a:defRPr>
     </a:lvl1pPr>
-    <a:lvl2pPr marL="246821" algn="l" defTabSz="493642" rtl="0" eaLnBrk="1" latinLnBrk="0" hangingPunct="1">
-      <a:defRPr sz="1000" kern="1200">
+    <a:lvl2pPr marL="297950" algn="l" defTabSz="595898" rtl="0" eaLnBrk="1" latinLnBrk="0" hangingPunct="1">
+      <a:defRPr sz="1200" kern="1200">
         <a:solidFill>
           <a:schemeClr val="tx1"/>
         </a:solidFill>
@@ -36,8 +36,8 @@
         <a:cs typeface="+mn-cs"/>
       </a:defRPr>
     </a:lvl2pPr>
-    <a:lvl3pPr marL="493642" algn="l" defTabSz="493642" rtl="0" eaLnBrk="1" latinLnBrk="0" hangingPunct="1">
-      <a:defRPr sz="1000" kern="1200">
+    <a:lvl3pPr marL="595898" algn="l" defTabSz="595898" rtl="0" eaLnBrk="1" latinLnBrk="0" hangingPunct="1">
+      <a:defRPr sz="1200" kern="1200">
         <a:solidFill>
           <a:schemeClr val="tx1"/>
         </a:solidFill>
@@ -46,8 +46,8 @@
         <a:cs typeface="+mn-cs"/>
       </a:defRPr>
     </a:lvl3pPr>
-    <a:lvl4pPr marL="740463" algn="l" defTabSz="493642" rtl="0" eaLnBrk="1" latinLnBrk="0" hangingPunct="1">
-      <a:defRPr sz="1000" kern="1200">
+    <a:lvl4pPr marL="893848" algn="l" defTabSz="595898" rtl="0" eaLnBrk="1" latinLnBrk="0" hangingPunct="1">
+      <a:defRPr sz="1200" kern="1200">
         <a:solidFill>
           <a:schemeClr val="tx1"/>
         </a:solidFill>
@@ -56,8 +56,8 @@
         <a:cs typeface="+mn-cs"/>
       </a:defRPr>
     </a:lvl4pPr>
-    <a:lvl5pPr marL="987283" algn="l" defTabSz="493642" rtl="0" eaLnBrk="1" latinLnBrk="0" hangingPunct="1">
-      <a:defRPr sz="1000" kern="1200">
+    <a:lvl5pPr marL="1191795" algn="l" defTabSz="595898" rtl="0" eaLnBrk="1" latinLnBrk="0" hangingPunct="1">
+      <a:defRPr sz="1200" kern="1200">
         <a:solidFill>
           <a:schemeClr val="tx1"/>
         </a:solidFill>
@@ -66,8 +66,8 @@
         <a:cs typeface="+mn-cs"/>
       </a:defRPr>
     </a:lvl5pPr>
-    <a:lvl6pPr marL="1234105" algn="l" defTabSz="493642" rtl="0" eaLnBrk="1" latinLnBrk="0" hangingPunct="1">
-      <a:defRPr sz="1000" kern="1200">
+    <a:lvl6pPr marL="1489746" algn="l" defTabSz="595898" rtl="0" eaLnBrk="1" latinLnBrk="0" hangingPunct="1">
+      <a:defRPr sz="1200" kern="1200">
         <a:solidFill>
           <a:schemeClr val="tx1"/>
         </a:solidFill>
@@ -76,8 +76,8 @@
         <a:cs typeface="+mn-cs"/>
       </a:defRPr>
     </a:lvl6pPr>
-    <a:lvl7pPr marL="1480925" algn="l" defTabSz="493642" rtl="0" eaLnBrk="1" latinLnBrk="0" hangingPunct="1">
-      <a:defRPr sz="1000" kern="1200">
+    <a:lvl7pPr marL="1787694" algn="l" defTabSz="595898" rtl="0" eaLnBrk="1" latinLnBrk="0" hangingPunct="1">
+      <a:defRPr sz="1200" kern="1200">
         <a:solidFill>
           <a:schemeClr val="tx1"/>
         </a:solidFill>
@@ -86,8 +86,8 @@
         <a:cs typeface="+mn-cs"/>
       </a:defRPr>
     </a:lvl7pPr>
-    <a:lvl8pPr marL="1727747" algn="l" defTabSz="493642" rtl="0" eaLnBrk="1" latinLnBrk="0" hangingPunct="1">
-      <a:defRPr sz="1000" kern="1200">
+    <a:lvl8pPr marL="2085644" algn="l" defTabSz="595898" rtl="0" eaLnBrk="1" latinLnBrk="0" hangingPunct="1">
+      <a:defRPr sz="1200" kern="1200">
         <a:solidFill>
           <a:schemeClr val="tx1"/>
         </a:solidFill>
@@ -96,8 +96,8 @@
         <a:cs typeface="+mn-cs"/>
       </a:defRPr>
     </a:lvl8pPr>
-    <a:lvl9pPr marL="1974567" algn="l" defTabSz="493642" rtl="0" eaLnBrk="1" latinLnBrk="0" hangingPunct="1">
-      <a:defRPr sz="1000" kern="1200">
+    <a:lvl9pPr marL="2383593" algn="l" defTabSz="595898" rtl="0" eaLnBrk="1" latinLnBrk="0" hangingPunct="1">
+      <a:defRPr sz="1200" kern="1200">
         <a:solidFill>
           <a:schemeClr val="tx1"/>
         </a:solidFill>
@@ -192,7 +192,7 @@
           <a:p>
             <a:fld id="{A732596A-CC33-44AB-A517-CD91BCF05E15}" type="datetimeFigureOut">
               <a:rPr lang="en-US" smtClean="0"/>
-              <a:t>7/12/2017</a:t>
+              <a:t>7/13/2017</a:t>
             </a:fld>
             <a:endParaRPr lang="en-US"/>
           </a:p>
@@ -210,8 +210,8 @@
         </p:nvSpPr>
         <p:spPr>
           <a:xfrm>
-            <a:off x="1889125" y="744538"/>
-            <a:ext cx="3019425" cy="3721100"/>
+            <a:off x="1881188" y="744538"/>
+            <a:ext cx="3035300" cy="3721100"/>
           </a:xfrm>
           <a:prstGeom prst="rect">
             <a:avLst/>
@@ -366,8 +366,8 @@
   </p:cSld>
   <p:clrMap bg1="lt1" tx1="dk1" bg2="lt2" tx2="dk2" accent1="accent1" accent2="accent2" accent3="accent3" accent4="accent4" accent5="accent5" accent6="accent6" hlink="hlink" folHlink="folHlink"/>
   <p:notesStyle>
-    <a:lvl1pPr marL="0" algn="l" defTabSz="493642" rtl="0" eaLnBrk="1" latinLnBrk="0" hangingPunct="1">
-      <a:defRPr sz="600" kern="1200">
+    <a:lvl1pPr marL="0" algn="l" defTabSz="595898" rtl="0" eaLnBrk="1" latinLnBrk="0" hangingPunct="1">
+      <a:defRPr sz="700" kern="1200">
         <a:solidFill>
           <a:schemeClr val="tx1"/>
         </a:solidFill>
@@ -376,8 +376,8 @@
         <a:cs typeface="+mn-cs"/>
       </a:defRPr>
     </a:lvl1pPr>
-    <a:lvl2pPr marL="246821" algn="l" defTabSz="493642" rtl="0" eaLnBrk="1" latinLnBrk="0" hangingPunct="1">
-      <a:defRPr sz="600" kern="1200">
+    <a:lvl2pPr marL="297950" algn="l" defTabSz="595898" rtl="0" eaLnBrk="1" latinLnBrk="0" hangingPunct="1">
+      <a:defRPr sz="700" kern="1200">
         <a:solidFill>
           <a:schemeClr val="tx1"/>
         </a:solidFill>
@@ -386,8 +386,8 @@
         <a:cs typeface="+mn-cs"/>
       </a:defRPr>
     </a:lvl2pPr>
-    <a:lvl3pPr marL="493642" algn="l" defTabSz="493642" rtl="0" eaLnBrk="1" latinLnBrk="0" hangingPunct="1">
-      <a:defRPr sz="600" kern="1200">
+    <a:lvl3pPr marL="595898" algn="l" defTabSz="595898" rtl="0" eaLnBrk="1" latinLnBrk="0" hangingPunct="1">
+      <a:defRPr sz="700" kern="1200">
         <a:solidFill>
           <a:schemeClr val="tx1"/>
         </a:solidFill>
@@ -396,8 +396,8 @@
         <a:cs typeface="+mn-cs"/>
       </a:defRPr>
     </a:lvl3pPr>
-    <a:lvl4pPr marL="740463" algn="l" defTabSz="493642" rtl="0" eaLnBrk="1" latinLnBrk="0" hangingPunct="1">
-      <a:defRPr sz="600" kern="1200">
+    <a:lvl4pPr marL="893848" algn="l" defTabSz="595898" rtl="0" eaLnBrk="1" latinLnBrk="0" hangingPunct="1">
+      <a:defRPr sz="700" kern="1200">
         <a:solidFill>
           <a:schemeClr val="tx1"/>
         </a:solidFill>
@@ -406,8 +406,8 @@
         <a:cs typeface="+mn-cs"/>
       </a:defRPr>
     </a:lvl4pPr>
-    <a:lvl5pPr marL="987283" algn="l" defTabSz="493642" rtl="0" eaLnBrk="1" latinLnBrk="0" hangingPunct="1">
-      <a:defRPr sz="600" kern="1200">
+    <a:lvl5pPr marL="1191795" algn="l" defTabSz="595898" rtl="0" eaLnBrk="1" latinLnBrk="0" hangingPunct="1">
+      <a:defRPr sz="700" kern="1200">
         <a:solidFill>
           <a:schemeClr val="tx1"/>
         </a:solidFill>
@@ -416,8 +416,8 @@
         <a:cs typeface="+mn-cs"/>
       </a:defRPr>
     </a:lvl5pPr>
-    <a:lvl6pPr marL="1234105" algn="l" defTabSz="493642" rtl="0" eaLnBrk="1" latinLnBrk="0" hangingPunct="1">
-      <a:defRPr sz="600" kern="1200">
+    <a:lvl6pPr marL="1489746" algn="l" defTabSz="595898" rtl="0" eaLnBrk="1" latinLnBrk="0" hangingPunct="1">
+      <a:defRPr sz="700" kern="1200">
         <a:solidFill>
           <a:schemeClr val="tx1"/>
         </a:solidFill>
@@ -426,8 +426,8 @@
         <a:cs typeface="+mn-cs"/>
       </a:defRPr>
     </a:lvl6pPr>
-    <a:lvl7pPr marL="1480925" algn="l" defTabSz="493642" rtl="0" eaLnBrk="1" latinLnBrk="0" hangingPunct="1">
-      <a:defRPr sz="600" kern="1200">
+    <a:lvl7pPr marL="1787694" algn="l" defTabSz="595898" rtl="0" eaLnBrk="1" latinLnBrk="0" hangingPunct="1">
+      <a:defRPr sz="700" kern="1200">
         <a:solidFill>
           <a:schemeClr val="tx1"/>
         </a:solidFill>
@@ -436,8 +436,8 @@
         <a:cs typeface="+mn-cs"/>
       </a:defRPr>
     </a:lvl7pPr>
-    <a:lvl8pPr marL="1727747" algn="l" defTabSz="493642" rtl="0" eaLnBrk="1" latinLnBrk="0" hangingPunct="1">
-      <a:defRPr sz="600" kern="1200">
+    <a:lvl8pPr marL="2085644" algn="l" defTabSz="595898" rtl="0" eaLnBrk="1" latinLnBrk="0" hangingPunct="1">
+      <a:defRPr sz="700" kern="1200">
         <a:solidFill>
           <a:schemeClr val="tx1"/>
         </a:solidFill>
@@ -446,8 +446,8 @@
         <a:cs typeface="+mn-cs"/>
       </a:defRPr>
     </a:lvl8pPr>
-    <a:lvl9pPr marL="1974567" algn="l" defTabSz="493642" rtl="0" eaLnBrk="1" latinLnBrk="0" hangingPunct="1">
-      <a:defRPr sz="600" kern="1200">
+    <a:lvl9pPr marL="2383593" algn="l" defTabSz="595898" rtl="0" eaLnBrk="1" latinLnBrk="0" hangingPunct="1">
+      <a:defRPr sz="700" kern="1200">
         <a:solidFill>
           <a:schemeClr val="tx1"/>
         </a:solidFill>
@@ -489,8 +489,8 @@
         </p:nvSpPr>
         <p:spPr>
           <a:xfrm>
-            <a:off x="291706" y="1487848"/>
-            <a:ext cx="3305968" cy="1026635"/>
+            <a:off x="359218" y="1823196"/>
+            <a:ext cx="4071064" cy="1258027"/>
           </a:xfrm>
         </p:spPr>
         <p:txBody>
@@ -517,8 +517,8 @@
         </p:nvSpPr>
         <p:spPr>
           <a:xfrm>
-            <a:off x="583409" y="2714044"/>
-            <a:ext cx="2722563" cy="1223980"/>
+            <a:off x="718430" y="3325764"/>
+            <a:ext cx="3352643" cy="1499852"/>
           </a:xfrm>
         </p:spPr>
         <p:txBody>
@@ -534,7 +534,7 @@
                 </a:solidFill>
               </a:defRPr>
             </a:lvl1pPr>
-            <a:lvl2pPr marL="246821" indent="0" algn="ctr">
+            <a:lvl2pPr marL="297950" indent="0" algn="ctr">
               <a:buNone/>
               <a:defRPr>
                 <a:solidFill>
@@ -544,7 +544,7 @@
                 </a:solidFill>
               </a:defRPr>
             </a:lvl2pPr>
-            <a:lvl3pPr marL="493642" indent="0" algn="ctr">
+            <a:lvl3pPr marL="595898" indent="0" algn="ctr">
               <a:buNone/>
               <a:defRPr>
                 <a:solidFill>
@@ -554,7 +554,7 @@
                 </a:solidFill>
               </a:defRPr>
             </a:lvl3pPr>
-            <a:lvl4pPr marL="740463" indent="0" algn="ctr">
+            <a:lvl4pPr marL="893848" indent="0" algn="ctr">
               <a:buNone/>
               <a:defRPr>
                 <a:solidFill>
@@ -564,7 +564,7 @@
                 </a:solidFill>
               </a:defRPr>
             </a:lvl4pPr>
-            <a:lvl5pPr marL="987283" indent="0" algn="ctr">
+            <a:lvl5pPr marL="1191795" indent="0" algn="ctr">
               <a:buNone/>
               <a:defRPr>
                 <a:solidFill>
@@ -574,7 +574,7 @@
                 </a:solidFill>
               </a:defRPr>
             </a:lvl5pPr>
-            <a:lvl6pPr marL="1234105" indent="0" algn="ctr">
+            <a:lvl6pPr marL="1489746" indent="0" algn="ctr">
               <a:buNone/>
               <a:defRPr>
                 <a:solidFill>
@@ -584,7 +584,7 @@
                 </a:solidFill>
               </a:defRPr>
             </a:lvl6pPr>
-            <a:lvl7pPr marL="1480925" indent="0" algn="ctr">
+            <a:lvl7pPr marL="1787694" indent="0" algn="ctr">
               <a:buNone/>
               <a:defRPr>
                 <a:solidFill>
@@ -594,7 +594,7 @@
                 </a:solidFill>
               </a:defRPr>
             </a:lvl7pPr>
-            <a:lvl8pPr marL="1727747" indent="0" algn="ctr">
+            <a:lvl8pPr marL="2085644" indent="0" algn="ctr">
               <a:buNone/>
               <a:defRPr>
                 <a:solidFill>
@@ -604,7 +604,7 @@
                 </a:solidFill>
               </a:defRPr>
             </a:lvl8pPr>
-            <a:lvl9pPr marL="1974567" indent="0" algn="ctr">
+            <a:lvl9pPr marL="2383593" indent="0" algn="ctr">
               <a:buNone/>
               <a:defRPr>
                 <a:solidFill>
@@ -641,7 +641,7 @@
           <a:p>
             <a:fld id="{252CF840-51FB-49D9-ADDC-0C52DA34DC77}" type="datetimeFigureOut">
               <a:rPr lang="en-US" smtClean="0"/>
-              <a:t>7/12/2017</a:t>
+              <a:t>7/13/2017</a:t>
             </a:fld>
             <a:endParaRPr lang="en-US"/>
           </a:p>
@@ -811,7 +811,7 @@
           <a:p>
             <a:fld id="{252CF840-51FB-49D9-ADDC-0C52DA34DC77}" type="datetimeFigureOut">
               <a:rPr lang="en-US" smtClean="0"/>
-              <a:t>7/12/2017</a:t>
+              <a:t>7/13/2017</a:t>
             </a:fld>
             <a:endParaRPr lang="en-US"/>
           </a:p>
@@ -901,8 +901,8 @@
         </p:nvSpPr>
         <p:spPr>
           <a:xfrm>
-            <a:off x="2819800" y="191804"/>
-            <a:ext cx="875109" cy="4086585"/>
+            <a:off x="3472385" y="235038"/>
+            <a:ext cx="1077634" cy="5007657"/>
           </a:xfrm>
         </p:spPr>
         <p:txBody>
@@ -929,8 +929,8 @@
         </p:nvSpPr>
         <p:spPr>
           <a:xfrm>
-            <a:off x="194472" y="191804"/>
-            <a:ext cx="2560505" cy="4086585"/>
+            <a:off x="239480" y="235038"/>
+            <a:ext cx="3153080" cy="5007657"/>
           </a:xfrm>
         </p:spPr>
         <p:txBody>
@@ -991,7 +991,7 @@
           <a:p>
             <a:fld id="{252CF840-51FB-49D9-ADDC-0C52DA34DC77}" type="datetimeFigureOut">
               <a:rPr lang="en-US" smtClean="0"/>
-              <a:t>7/12/2017</a:t>
+              <a:t>7/13/2017</a:t>
             </a:fld>
             <a:endParaRPr lang="en-US"/>
           </a:p>
@@ -1161,7 +1161,7 @@
           <a:p>
             <a:fld id="{252CF840-51FB-49D9-ADDC-0C52DA34DC77}" type="datetimeFigureOut">
               <a:rPr lang="en-US" smtClean="0"/>
-              <a:t>7/12/2017</a:t>
+              <a:t>7/13/2017</a:t>
             </a:fld>
             <a:endParaRPr lang="en-US"/>
           </a:p>
@@ -1251,15 +1251,15 @@
         </p:nvSpPr>
         <p:spPr>
           <a:xfrm>
-            <a:off x="307237" y="3077690"/>
-            <a:ext cx="3305968" cy="951245"/>
+            <a:off x="378342" y="3771371"/>
+            <a:ext cx="4071064" cy="1165645"/>
           </a:xfrm>
         </p:spPr>
         <p:txBody>
           <a:bodyPr anchor="t"/>
           <a:lstStyle>
             <a:lvl1pPr algn="l">
-              <a:defRPr sz="2200" b="1" cap="all"/>
+              <a:defRPr sz="2700" b="1" cap="all"/>
             </a:lvl1pPr>
           </a:lstStyle>
           <a:p>
@@ -1283,8 +1283,8 @@
         </p:nvSpPr>
         <p:spPr>
           <a:xfrm>
-            <a:off x="307237" y="2029992"/>
-            <a:ext cx="3305968" cy="1047700"/>
+            <a:off x="378342" y="2487533"/>
+            <a:ext cx="4071064" cy="1283840"/>
           </a:xfrm>
         </p:spPr>
         <p:txBody>
@@ -1292,7 +1292,7 @@
           <a:lstStyle>
             <a:lvl1pPr marL="0" indent="0">
               <a:buNone/>
-              <a:defRPr sz="1100">
+              <a:defRPr sz="1400">
                 <a:solidFill>
                   <a:schemeClr val="tx1">
                     <a:tint val="75000"/>
@@ -1300,7 +1300,17 @@
                 </a:solidFill>
               </a:defRPr>
             </a:lvl1pPr>
-            <a:lvl2pPr marL="246821" indent="0">
+            <a:lvl2pPr marL="297950" indent="0">
+              <a:buNone/>
+              <a:defRPr sz="1200">
+                <a:solidFill>
+                  <a:schemeClr val="tx1">
+                    <a:tint val="75000"/>
+                  </a:schemeClr>
+                </a:solidFill>
+              </a:defRPr>
+            </a:lvl2pPr>
+            <a:lvl3pPr marL="595898" indent="0">
               <a:buNone/>
               <a:defRPr sz="1000">
                 <a:solidFill>
@@ -1309,8 +1319,8 @@
                   </a:schemeClr>
                 </a:solidFill>
               </a:defRPr>
-            </a:lvl2pPr>
-            <a:lvl3pPr marL="493642" indent="0">
+            </a:lvl3pPr>
+            <a:lvl4pPr marL="893848" indent="0">
               <a:buNone/>
               <a:defRPr sz="900">
                 <a:solidFill>
@@ -1319,20 +1329,10 @@
                   </a:schemeClr>
                 </a:solidFill>
               </a:defRPr>
-            </a:lvl3pPr>
-            <a:lvl4pPr marL="740463" indent="0">
-              <a:buNone/>
-              <a:defRPr sz="800">
-                <a:solidFill>
-                  <a:schemeClr val="tx1">
-                    <a:tint val="75000"/>
-                  </a:schemeClr>
-                </a:solidFill>
-              </a:defRPr>
             </a:lvl4pPr>
-            <a:lvl5pPr marL="987283" indent="0">
-              <a:buNone/>
-              <a:defRPr sz="800">
+            <a:lvl5pPr marL="1191795" indent="0">
+              <a:buNone/>
+              <a:defRPr sz="900">
                 <a:solidFill>
                   <a:schemeClr val="tx1">
                     <a:tint val="75000"/>
@@ -1340,9 +1340,9 @@
                 </a:solidFill>
               </a:defRPr>
             </a:lvl5pPr>
-            <a:lvl6pPr marL="1234105" indent="0">
-              <a:buNone/>
-              <a:defRPr sz="800">
+            <a:lvl6pPr marL="1489746" indent="0">
+              <a:buNone/>
+              <a:defRPr sz="900">
                 <a:solidFill>
                   <a:schemeClr val="tx1">
                     <a:tint val="75000"/>
@@ -1350,9 +1350,9 @@
                 </a:solidFill>
               </a:defRPr>
             </a:lvl6pPr>
-            <a:lvl7pPr marL="1480925" indent="0">
-              <a:buNone/>
-              <a:defRPr sz="800">
+            <a:lvl7pPr marL="1787694" indent="0">
+              <a:buNone/>
+              <a:defRPr sz="900">
                 <a:solidFill>
                   <a:schemeClr val="tx1">
                     <a:tint val="75000"/>
@@ -1360,9 +1360,9 @@
                 </a:solidFill>
               </a:defRPr>
             </a:lvl7pPr>
-            <a:lvl8pPr marL="1727747" indent="0">
-              <a:buNone/>
-              <a:defRPr sz="800">
+            <a:lvl8pPr marL="2085644" indent="0">
+              <a:buNone/>
+              <a:defRPr sz="900">
                 <a:solidFill>
                   <a:schemeClr val="tx1">
                     <a:tint val="75000"/>
@@ -1370,9 +1370,9 @@
                 </a:solidFill>
               </a:defRPr>
             </a:lvl8pPr>
-            <a:lvl9pPr marL="1974567" indent="0">
-              <a:buNone/>
-              <a:defRPr sz="800">
+            <a:lvl9pPr marL="2383593" indent="0">
+              <a:buNone/>
+              <a:defRPr sz="900">
                 <a:solidFill>
                   <a:schemeClr val="tx1">
                     <a:tint val="75000"/>
@@ -1407,7 +1407,7 @@
           <a:p>
             <a:fld id="{252CF840-51FB-49D9-ADDC-0C52DA34DC77}" type="datetimeFigureOut">
               <a:rPr lang="en-US" smtClean="0"/>
-              <a:t>7/12/2017</a:t>
+              <a:t>7/13/2017</a:t>
             </a:fld>
             <a:endParaRPr lang="en-US"/>
           </a:p>
@@ -1520,39 +1520,39 @@
         </p:nvSpPr>
         <p:spPr>
           <a:xfrm>
-            <a:off x="194472" y="1117549"/>
-            <a:ext cx="1717807" cy="3160841"/>
+            <a:off x="239480" y="1369433"/>
+            <a:ext cx="2115358" cy="3873261"/>
           </a:xfrm>
         </p:spPr>
         <p:txBody>
           <a:bodyPr/>
           <a:lstStyle>
             <a:lvl1pPr>
-              <a:defRPr sz="1500"/>
+              <a:defRPr sz="1800"/>
             </a:lvl1pPr>
             <a:lvl2pPr>
-              <a:defRPr sz="1300"/>
+              <a:defRPr sz="1600"/>
             </a:lvl2pPr>
             <a:lvl3pPr>
-              <a:defRPr sz="1100"/>
+              <a:defRPr sz="1400"/>
             </a:lvl3pPr>
             <a:lvl4pPr>
-              <a:defRPr sz="1000"/>
+              <a:defRPr sz="1200"/>
             </a:lvl4pPr>
             <a:lvl5pPr>
-              <a:defRPr sz="1000"/>
+              <a:defRPr sz="1200"/>
             </a:lvl5pPr>
             <a:lvl6pPr>
-              <a:defRPr sz="1000"/>
+              <a:defRPr sz="1200"/>
             </a:lvl6pPr>
             <a:lvl7pPr>
-              <a:defRPr sz="1000"/>
+              <a:defRPr sz="1200"/>
             </a:lvl7pPr>
             <a:lvl8pPr>
-              <a:defRPr sz="1000"/>
+              <a:defRPr sz="1200"/>
             </a:lvl8pPr>
             <a:lvl9pPr>
-              <a:defRPr sz="1000"/>
+              <a:defRPr sz="1200"/>
             </a:lvl9pPr>
           </a:lstStyle>
           <a:p>
@@ -1605,39 +1605,39 @@
         </p:nvSpPr>
         <p:spPr>
           <a:xfrm>
-            <a:off x="1977103" y="1117549"/>
-            <a:ext cx="1717807" cy="3160841"/>
+            <a:off x="2434664" y="1369433"/>
+            <a:ext cx="2115358" cy="3873261"/>
           </a:xfrm>
         </p:spPr>
         <p:txBody>
           <a:bodyPr/>
           <a:lstStyle>
             <a:lvl1pPr>
-              <a:defRPr sz="1500"/>
+              <a:defRPr sz="1800"/>
             </a:lvl1pPr>
             <a:lvl2pPr>
-              <a:defRPr sz="1300"/>
+              <a:defRPr sz="1600"/>
             </a:lvl2pPr>
             <a:lvl3pPr>
-              <a:defRPr sz="1100"/>
+              <a:defRPr sz="1400"/>
             </a:lvl3pPr>
             <a:lvl4pPr>
-              <a:defRPr sz="1000"/>
+              <a:defRPr sz="1200"/>
             </a:lvl4pPr>
             <a:lvl5pPr>
-              <a:defRPr sz="1000"/>
+              <a:defRPr sz="1200"/>
             </a:lvl5pPr>
             <a:lvl6pPr>
-              <a:defRPr sz="1000"/>
+              <a:defRPr sz="1200"/>
             </a:lvl6pPr>
             <a:lvl7pPr>
-              <a:defRPr sz="1000"/>
+              <a:defRPr sz="1200"/>
             </a:lvl7pPr>
             <a:lvl8pPr>
-              <a:defRPr sz="1000"/>
+              <a:defRPr sz="1200"/>
             </a:lvl8pPr>
             <a:lvl9pPr>
-              <a:defRPr sz="1000"/>
+              <a:defRPr sz="1200"/>
             </a:lvl9pPr>
           </a:lstStyle>
           <a:p>
@@ -1695,7 +1695,7 @@
           <a:p>
             <a:fld id="{252CF840-51FB-49D9-ADDC-0C52DA34DC77}" type="datetimeFigureOut">
               <a:rPr lang="en-US" smtClean="0"/>
-              <a:t>7/12/2017</a:t>
+              <a:t>7/13/2017</a:t>
             </a:fld>
             <a:endParaRPr lang="en-US"/>
           </a:p>
@@ -1812,8 +1812,8 @@
         </p:nvSpPr>
         <p:spPr>
           <a:xfrm>
-            <a:off x="194474" y="1072093"/>
-            <a:ext cx="1718483" cy="446796"/>
+            <a:off x="239484" y="1313735"/>
+            <a:ext cx="2116189" cy="547499"/>
           </a:xfrm>
         </p:spPr>
         <p:txBody>
@@ -1821,39 +1821,39 @@
           <a:lstStyle>
             <a:lvl1pPr marL="0" indent="0">
               <a:buNone/>
-              <a:defRPr sz="1300" b="1"/>
+              <a:defRPr sz="1600" b="1"/>
             </a:lvl1pPr>
-            <a:lvl2pPr marL="246821" indent="0">
-              <a:buNone/>
-              <a:defRPr sz="1100" b="1"/>
+            <a:lvl2pPr marL="297950" indent="0">
+              <a:buNone/>
+              <a:defRPr sz="1400" b="1"/>
             </a:lvl2pPr>
-            <a:lvl3pPr marL="493642" indent="0">
+            <a:lvl3pPr marL="595898" indent="0">
+              <a:buNone/>
+              <a:defRPr sz="1200" b="1"/>
+            </a:lvl3pPr>
+            <a:lvl4pPr marL="893848" indent="0">
               <a:buNone/>
               <a:defRPr sz="1000" b="1"/>
-            </a:lvl3pPr>
-            <a:lvl4pPr marL="740463" indent="0">
-              <a:buNone/>
-              <a:defRPr sz="900" b="1"/>
             </a:lvl4pPr>
-            <a:lvl5pPr marL="987283" indent="0">
-              <a:buNone/>
-              <a:defRPr sz="900" b="1"/>
+            <a:lvl5pPr marL="1191795" indent="0">
+              <a:buNone/>
+              <a:defRPr sz="1000" b="1"/>
             </a:lvl5pPr>
-            <a:lvl6pPr marL="1234105" indent="0">
-              <a:buNone/>
-              <a:defRPr sz="900" b="1"/>
+            <a:lvl6pPr marL="1489746" indent="0">
+              <a:buNone/>
+              <a:defRPr sz="1000" b="1"/>
             </a:lvl6pPr>
-            <a:lvl7pPr marL="1480925" indent="0">
-              <a:buNone/>
-              <a:defRPr sz="900" b="1"/>
+            <a:lvl7pPr marL="1787694" indent="0">
+              <a:buNone/>
+              <a:defRPr sz="1000" b="1"/>
             </a:lvl7pPr>
-            <a:lvl8pPr marL="1727747" indent="0">
-              <a:buNone/>
-              <a:defRPr sz="900" b="1"/>
+            <a:lvl8pPr marL="2085644" indent="0">
+              <a:buNone/>
+              <a:defRPr sz="1000" b="1"/>
             </a:lvl8pPr>
-            <a:lvl9pPr marL="1974567" indent="0">
-              <a:buNone/>
-              <a:defRPr sz="900" b="1"/>
+            <a:lvl9pPr marL="2383593" indent="0">
+              <a:buNone/>
+              <a:defRPr sz="1000" b="1"/>
             </a:lvl9pPr>
           </a:lstStyle>
           <a:p>
@@ -1877,39 +1877,39 @@
         </p:nvSpPr>
         <p:spPr>
           <a:xfrm>
-            <a:off x="194474" y="1518890"/>
-            <a:ext cx="1718483" cy="2759499"/>
+            <a:off x="239484" y="1861232"/>
+            <a:ext cx="2116189" cy="3381461"/>
           </a:xfrm>
         </p:spPr>
         <p:txBody>
           <a:bodyPr/>
           <a:lstStyle>
             <a:lvl1pPr>
-              <a:defRPr sz="1300"/>
+              <a:defRPr sz="1600"/>
             </a:lvl1pPr>
             <a:lvl2pPr>
-              <a:defRPr sz="1100"/>
+              <a:defRPr sz="1400"/>
             </a:lvl2pPr>
             <a:lvl3pPr>
-              <a:defRPr sz="1000"/>
+              <a:defRPr sz="1200"/>
             </a:lvl3pPr>
             <a:lvl4pPr>
-              <a:defRPr sz="900"/>
+              <a:defRPr sz="1000"/>
             </a:lvl4pPr>
             <a:lvl5pPr>
-              <a:defRPr sz="900"/>
+              <a:defRPr sz="1000"/>
             </a:lvl5pPr>
             <a:lvl6pPr>
-              <a:defRPr sz="900"/>
+              <a:defRPr sz="1000"/>
             </a:lvl6pPr>
             <a:lvl7pPr>
-              <a:defRPr sz="900"/>
+              <a:defRPr sz="1000"/>
             </a:lvl7pPr>
             <a:lvl8pPr>
-              <a:defRPr sz="900"/>
+              <a:defRPr sz="1000"/>
             </a:lvl8pPr>
             <a:lvl9pPr>
-              <a:defRPr sz="900"/>
+              <a:defRPr sz="1000"/>
             </a:lvl9pPr>
           </a:lstStyle>
           <a:p>
@@ -1962,8 +1962,8 @@
         </p:nvSpPr>
         <p:spPr>
           <a:xfrm>
-            <a:off x="1975751" y="1072093"/>
-            <a:ext cx="1719157" cy="446796"/>
+            <a:off x="2433000" y="1313735"/>
+            <a:ext cx="2117019" cy="547499"/>
           </a:xfrm>
         </p:spPr>
         <p:txBody>
@@ -1971,39 +1971,39 @@
           <a:lstStyle>
             <a:lvl1pPr marL="0" indent="0">
               <a:buNone/>
-              <a:defRPr sz="1300" b="1"/>
+              <a:defRPr sz="1600" b="1"/>
             </a:lvl1pPr>
-            <a:lvl2pPr marL="246821" indent="0">
-              <a:buNone/>
-              <a:defRPr sz="1100" b="1"/>
+            <a:lvl2pPr marL="297950" indent="0">
+              <a:buNone/>
+              <a:defRPr sz="1400" b="1"/>
             </a:lvl2pPr>
-            <a:lvl3pPr marL="493642" indent="0">
+            <a:lvl3pPr marL="595898" indent="0">
+              <a:buNone/>
+              <a:defRPr sz="1200" b="1"/>
+            </a:lvl3pPr>
+            <a:lvl4pPr marL="893848" indent="0">
               <a:buNone/>
               <a:defRPr sz="1000" b="1"/>
-            </a:lvl3pPr>
-            <a:lvl4pPr marL="740463" indent="0">
-              <a:buNone/>
-              <a:defRPr sz="900" b="1"/>
             </a:lvl4pPr>
-            <a:lvl5pPr marL="987283" indent="0">
-              <a:buNone/>
-              <a:defRPr sz="900" b="1"/>
+            <a:lvl5pPr marL="1191795" indent="0">
+              <a:buNone/>
+              <a:defRPr sz="1000" b="1"/>
             </a:lvl5pPr>
-            <a:lvl6pPr marL="1234105" indent="0">
-              <a:buNone/>
-              <a:defRPr sz="900" b="1"/>
+            <a:lvl6pPr marL="1489746" indent="0">
+              <a:buNone/>
+              <a:defRPr sz="1000" b="1"/>
             </a:lvl6pPr>
-            <a:lvl7pPr marL="1480925" indent="0">
-              <a:buNone/>
-              <a:defRPr sz="900" b="1"/>
+            <a:lvl7pPr marL="1787694" indent="0">
+              <a:buNone/>
+              <a:defRPr sz="1000" b="1"/>
             </a:lvl7pPr>
-            <a:lvl8pPr marL="1727747" indent="0">
-              <a:buNone/>
-              <a:defRPr sz="900" b="1"/>
+            <a:lvl8pPr marL="2085644" indent="0">
+              <a:buNone/>
+              <a:defRPr sz="1000" b="1"/>
             </a:lvl8pPr>
-            <a:lvl9pPr marL="1974567" indent="0">
-              <a:buNone/>
-              <a:defRPr sz="900" b="1"/>
+            <a:lvl9pPr marL="2383593" indent="0">
+              <a:buNone/>
+              <a:defRPr sz="1000" b="1"/>
             </a:lvl9pPr>
           </a:lstStyle>
           <a:p>
@@ -2027,39 +2027,39 @@
         </p:nvSpPr>
         <p:spPr>
           <a:xfrm>
-            <a:off x="1975751" y="1518890"/>
-            <a:ext cx="1719157" cy="2759499"/>
+            <a:off x="2433000" y="1861232"/>
+            <a:ext cx="2117019" cy="3381461"/>
           </a:xfrm>
         </p:spPr>
         <p:txBody>
           <a:bodyPr/>
           <a:lstStyle>
             <a:lvl1pPr>
-              <a:defRPr sz="1300"/>
+              <a:defRPr sz="1600"/>
             </a:lvl1pPr>
             <a:lvl2pPr>
-              <a:defRPr sz="1100"/>
+              <a:defRPr sz="1400"/>
             </a:lvl2pPr>
             <a:lvl3pPr>
-              <a:defRPr sz="1000"/>
+              <a:defRPr sz="1200"/>
             </a:lvl3pPr>
             <a:lvl4pPr>
-              <a:defRPr sz="900"/>
+              <a:defRPr sz="1000"/>
             </a:lvl4pPr>
             <a:lvl5pPr>
-              <a:defRPr sz="900"/>
+              <a:defRPr sz="1000"/>
             </a:lvl5pPr>
             <a:lvl6pPr>
-              <a:defRPr sz="900"/>
+              <a:defRPr sz="1000"/>
             </a:lvl6pPr>
             <a:lvl7pPr>
-              <a:defRPr sz="900"/>
+              <a:defRPr sz="1000"/>
             </a:lvl7pPr>
             <a:lvl8pPr>
-              <a:defRPr sz="900"/>
+              <a:defRPr sz="1000"/>
             </a:lvl8pPr>
             <a:lvl9pPr>
-              <a:defRPr sz="900"/>
+              <a:defRPr sz="1000"/>
             </a:lvl9pPr>
           </a:lstStyle>
           <a:p>
@@ -2117,7 +2117,7 @@
           <a:p>
             <a:fld id="{252CF840-51FB-49D9-ADDC-0C52DA34DC77}" type="datetimeFigureOut">
               <a:rPr lang="en-US" smtClean="0"/>
-              <a:t>7/12/2017</a:t>
+              <a:t>7/13/2017</a:t>
             </a:fld>
             <a:endParaRPr lang="en-US"/>
           </a:p>
@@ -2235,7 +2235,7 @@
           <a:p>
             <a:fld id="{252CF840-51FB-49D9-ADDC-0C52DA34DC77}" type="datetimeFigureOut">
               <a:rPr lang="en-US" smtClean="0"/>
-              <a:t>7/12/2017</a:t>
+              <a:t>7/13/2017</a:t>
             </a:fld>
             <a:endParaRPr lang="en-US"/>
           </a:p>
@@ -2330,7 +2330,7 @@
           <a:p>
             <a:fld id="{252CF840-51FB-49D9-ADDC-0C52DA34DC77}" type="datetimeFigureOut">
               <a:rPr lang="en-US" smtClean="0"/>
-              <a:t>7/12/2017</a:t>
+              <a:t>7/13/2017</a:t>
             </a:fld>
             <a:endParaRPr lang="en-US"/>
           </a:p>
@@ -2420,15 +2420,15 @@
         </p:nvSpPr>
         <p:spPr>
           <a:xfrm>
-            <a:off x="194471" y="190696"/>
-            <a:ext cx="1279577" cy="811552"/>
+            <a:off x="239480" y="233678"/>
+            <a:ext cx="1575709" cy="994467"/>
           </a:xfrm>
         </p:spPr>
         <p:txBody>
           <a:bodyPr anchor="b"/>
           <a:lstStyle>
             <a:lvl1pPr algn="l">
-              <a:defRPr sz="1100" b="1"/>
+              <a:defRPr sz="1400" b="1"/>
             </a:lvl1pPr>
           </a:lstStyle>
           <a:p>
@@ -2452,39 +2452,39 @@
         </p:nvSpPr>
         <p:spPr>
           <a:xfrm>
-            <a:off x="1520642" y="190694"/>
-            <a:ext cx="2174269" cy="4087694"/>
+            <a:off x="1872566" y="233674"/>
+            <a:ext cx="2677457" cy="5009017"/>
           </a:xfrm>
         </p:spPr>
         <p:txBody>
           <a:bodyPr/>
           <a:lstStyle>
             <a:lvl1pPr>
-              <a:defRPr sz="1800"/>
+              <a:defRPr sz="2200"/>
             </a:lvl1pPr>
             <a:lvl2pPr>
-              <a:defRPr sz="1500"/>
+              <a:defRPr sz="1800"/>
             </a:lvl2pPr>
             <a:lvl3pPr>
-              <a:defRPr sz="1300"/>
+              <a:defRPr sz="1600"/>
             </a:lvl3pPr>
             <a:lvl4pPr>
-              <a:defRPr sz="1100"/>
+              <a:defRPr sz="1400"/>
             </a:lvl4pPr>
             <a:lvl5pPr>
-              <a:defRPr sz="1100"/>
+              <a:defRPr sz="1400"/>
             </a:lvl5pPr>
             <a:lvl6pPr>
-              <a:defRPr sz="1100"/>
+              <a:defRPr sz="1400"/>
             </a:lvl6pPr>
             <a:lvl7pPr>
-              <a:defRPr sz="1100"/>
+              <a:defRPr sz="1400"/>
             </a:lvl7pPr>
             <a:lvl8pPr>
-              <a:defRPr sz="1100"/>
+              <a:defRPr sz="1400"/>
             </a:lvl8pPr>
             <a:lvl9pPr>
-              <a:defRPr sz="1100"/>
+              <a:defRPr sz="1400"/>
             </a:lvl9pPr>
           </a:lstStyle>
           <a:p>
@@ -2537,8 +2537,8 @@
         </p:nvSpPr>
         <p:spPr>
           <a:xfrm>
-            <a:off x="194471" y="1002244"/>
-            <a:ext cx="1279577" cy="3276144"/>
+            <a:off x="239480" y="1228140"/>
+            <a:ext cx="1575709" cy="4014552"/>
           </a:xfrm>
         </p:spPr>
         <p:txBody>
@@ -2546,39 +2546,39 @@
           <a:lstStyle>
             <a:lvl1pPr marL="0" indent="0">
               <a:buNone/>
-              <a:defRPr sz="800"/>
+              <a:defRPr sz="900"/>
             </a:lvl1pPr>
-            <a:lvl2pPr marL="246821" indent="0">
+            <a:lvl2pPr marL="297950" indent="0">
+              <a:buNone/>
+              <a:defRPr sz="700"/>
+            </a:lvl2pPr>
+            <a:lvl3pPr marL="595898" indent="0">
               <a:buNone/>
               <a:defRPr sz="600"/>
-            </a:lvl2pPr>
-            <a:lvl3pPr marL="493642" indent="0">
+            </a:lvl3pPr>
+            <a:lvl4pPr marL="893848" indent="0">
               <a:buNone/>
               <a:defRPr sz="500"/>
-            </a:lvl3pPr>
-            <a:lvl4pPr marL="740463" indent="0">
-              <a:buNone/>
-              <a:defRPr sz="400"/>
             </a:lvl4pPr>
-            <a:lvl5pPr marL="987283" indent="0">
-              <a:buNone/>
-              <a:defRPr sz="400"/>
+            <a:lvl5pPr marL="1191795" indent="0">
+              <a:buNone/>
+              <a:defRPr sz="500"/>
             </a:lvl5pPr>
-            <a:lvl6pPr marL="1234105" indent="0">
-              <a:buNone/>
-              <a:defRPr sz="400"/>
+            <a:lvl6pPr marL="1489746" indent="0">
+              <a:buNone/>
+              <a:defRPr sz="500"/>
             </a:lvl6pPr>
-            <a:lvl7pPr marL="1480925" indent="0">
-              <a:buNone/>
-              <a:defRPr sz="400"/>
+            <a:lvl7pPr marL="1787694" indent="0">
+              <a:buNone/>
+              <a:defRPr sz="500"/>
             </a:lvl7pPr>
-            <a:lvl8pPr marL="1727747" indent="0">
-              <a:buNone/>
-              <a:defRPr sz="400"/>
+            <a:lvl8pPr marL="2085644" indent="0">
+              <a:buNone/>
+              <a:defRPr sz="500"/>
             </a:lvl8pPr>
-            <a:lvl9pPr marL="1974567" indent="0">
-              <a:buNone/>
-              <a:defRPr sz="400"/>
+            <a:lvl9pPr marL="2383593" indent="0">
+              <a:buNone/>
+              <a:defRPr sz="500"/>
             </a:lvl9pPr>
           </a:lstStyle>
           <a:p>
@@ -2607,7 +2607,7 @@
           <a:p>
             <a:fld id="{252CF840-51FB-49D9-ADDC-0C52DA34DC77}" type="datetimeFigureOut">
               <a:rPr lang="en-US" smtClean="0"/>
-              <a:t>7/12/2017</a:t>
+              <a:t>7/13/2017</a:t>
             </a:fld>
             <a:endParaRPr lang="en-US"/>
           </a:p>
@@ -2697,15 +2697,15 @@
         </p:nvSpPr>
         <p:spPr>
           <a:xfrm>
-            <a:off x="762346" y="3352645"/>
-            <a:ext cx="2333625" cy="395800"/>
+            <a:off x="938777" y="4108296"/>
+            <a:ext cx="2873693" cy="485009"/>
           </a:xfrm>
         </p:spPr>
         <p:txBody>
           <a:bodyPr anchor="b"/>
           <a:lstStyle>
             <a:lvl1pPr algn="l">
-              <a:defRPr sz="1100" b="1"/>
+              <a:defRPr sz="1400" b="1"/>
             </a:lvl1pPr>
           </a:lstStyle>
           <a:p>
@@ -2729,8 +2729,8 @@
         </p:nvSpPr>
         <p:spPr>
           <a:xfrm>
-            <a:off x="762346" y="427951"/>
-            <a:ext cx="2333625" cy="2873693"/>
+            <a:off x="938777" y="524411"/>
+            <a:ext cx="2873693" cy="3521393"/>
           </a:xfrm>
         </p:spPr>
         <p:txBody>
@@ -2738,39 +2738,39 @@
           <a:lstStyle>
             <a:lvl1pPr marL="0" indent="0">
               <a:buNone/>
+              <a:defRPr sz="2200"/>
+            </a:lvl1pPr>
+            <a:lvl2pPr marL="297950" indent="0">
+              <a:buNone/>
               <a:defRPr sz="1800"/>
-            </a:lvl1pPr>
-            <a:lvl2pPr marL="246821" indent="0">
-              <a:buNone/>
-              <a:defRPr sz="1500"/>
             </a:lvl2pPr>
-            <a:lvl3pPr marL="493642" indent="0">
-              <a:buNone/>
-              <a:defRPr sz="1300"/>
+            <a:lvl3pPr marL="595898" indent="0">
+              <a:buNone/>
+              <a:defRPr sz="1600"/>
             </a:lvl3pPr>
-            <a:lvl4pPr marL="740463" indent="0">
-              <a:buNone/>
-              <a:defRPr sz="1100"/>
+            <a:lvl4pPr marL="893848" indent="0">
+              <a:buNone/>
+              <a:defRPr sz="1400"/>
             </a:lvl4pPr>
-            <a:lvl5pPr marL="987283" indent="0">
-              <a:buNone/>
-              <a:defRPr sz="1100"/>
+            <a:lvl5pPr marL="1191795" indent="0">
+              <a:buNone/>
+              <a:defRPr sz="1400"/>
             </a:lvl5pPr>
-            <a:lvl6pPr marL="1234105" indent="0">
-              <a:buNone/>
-              <a:defRPr sz="1100"/>
+            <a:lvl6pPr marL="1489746" indent="0">
+              <a:buNone/>
+              <a:defRPr sz="1400"/>
             </a:lvl6pPr>
-            <a:lvl7pPr marL="1480925" indent="0">
-              <a:buNone/>
-              <a:defRPr sz="1100"/>
+            <a:lvl7pPr marL="1787694" indent="0">
+              <a:buNone/>
+              <a:defRPr sz="1400"/>
             </a:lvl7pPr>
-            <a:lvl8pPr marL="1727747" indent="0">
-              <a:buNone/>
-              <a:defRPr sz="1100"/>
+            <a:lvl8pPr marL="2085644" indent="0">
+              <a:buNone/>
+              <a:defRPr sz="1400"/>
             </a:lvl8pPr>
-            <a:lvl9pPr marL="1974567" indent="0">
-              <a:buNone/>
-              <a:defRPr sz="1100"/>
+            <a:lvl9pPr marL="2383593" indent="0">
+              <a:buNone/>
+              <a:defRPr sz="1400"/>
             </a:lvl9pPr>
           </a:lstStyle>
           <a:p>
@@ -2790,8 +2790,8 @@
         </p:nvSpPr>
         <p:spPr>
           <a:xfrm>
-            <a:off x="762346" y="3748445"/>
-            <a:ext cx="2333625" cy="562099"/>
+            <a:off x="938777" y="4593306"/>
+            <a:ext cx="2873693" cy="688791"/>
           </a:xfrm>
         </p:spPr>
         <p:txBody>
@@ -2799,39 +2799,39 @@
           <a:lstStyle>
             <a:lvl1pPr marL="0" indent="0">
               <a:buNone/>
-              <a:defRPr sz="800"/>
+              <a:defRPr sz="900"/>
             </a:lvl1pPr>
-            <a:lvl2pPr marL="246821" indent="0">
+            <a:lvl2pPr marL="297950" indent="0">
+              <a:buNone/>
+              <a:defRPr sz="700"/>
+            </a:lvl2pPr>
+            <a:lvl3pPr marL="595898" indent="0">
               <a:buNone/>
               <a:defRPr sz="600"/>
-            </a:lvl2pPr>
-            <a:lvl3pPr marL="493642" indent="0">
+            </a:lvl3pPr>
+            <a:lvl4pPr marL="893848" indent="0">
               <a:buNone/>
               <a:defRPr sz="500"/>
-            </a:lvl3pPr>
-            <a:lvl4pPr marL="740463" indent="0">
-              <a:buNone/>
-              <a:defRPr sz="400"/>
             </a:lvl4pPr>
-            <a:lvl5pPr marL="987283" indent="0">
-              <a:buNone/>
-              <a:defRPr sz="400"/>
+            <a:lvl5pPr marL="1191795" indent="0">
+              <a:buNone/>
+              <a:defRPr sz="500"/>
             </a:lvl5pPr>
-            <a:lvl6pPr marL="1234105" indent="0">
-              <a:buNone/>
-              <a:defRPr sz="400"/>
+            <a:lvl6pPr marL="1489746" indent="0">
+              <a:buNone/>
+              <a:defRPr sz="500"/>
             </a:lvl6pPr>
-            <a:lvl7pPr marL="1480925" indent="0">
-              <a:buNone/>
-              <a:defRPr sz="400"/>
+            <a:lvl7pPr marL="1787694" indent="0">
+              <a:buNone/>
+              <a:defRPr sz="500"/>
             </a:lvl7pPr>
-            <a:lvl8pPr marL="1727747" indent="0">
-              <a:buNone/>
-              <a:defRPr sz="400"/>
+            <a:lvl8pPr marL="2085644" indent="0">
+              <a:buNone/>
+              <a:defRPr sz="500"/>
             </a:lvl8pPr>
-            <a:lvl9pPr marL="1974567" indent="0">
-              <a:buNone/>
-              <a:defRPr sz="400"/>
+            <a:lvl9pPr marL="2383593" indent="0">
+              <a:buNone/>
+              <a:defRPr sz="500"/>
             </a:lvl9pPr>
           </a:lstStyle>
           <a:p>
@@ -2860,7 +2860,7 @@
           <a:p>
             <a:fld id="{252CF840-51FB-49D9-ADDC-0C52DA34DC77}" type="datetimeFigureOut">
               <a:rPr lang="en-US" smtClean="0"/>
-              <a:t>7/12/2017</a:t>
+              <a:t>7/13/2017</a:t>
             </a:fld>
             <a:endParaRPr lang="en-US"/>
           </a:p>
@@ -2955,15 +2955,15 @@
         </p:nvSpPr>
         <p:spPr>
           <a:xfrm>
-            <a:off x="194471" y="191805"/>
-            <a:ext cx="3500438" cy="798248"/>
+            <a:off x="239479" y="235036"/>
+            <a:ext cx="4310541" cy="978166"/>
           </a:xfrm>
           <a:prstGeom prst="rect">
             <a:avLst/>
           </a:prstGeom>
         </p:spPr>
         <p:txBody>
-          <a:bodyPr vert="horz" lIns="49365" tIns="24682" rIns="49365" bIns="24682" rtlCol="0" anchor="ctr">
+          <a:bodyPr vert="horz" lIns="59590" tIns="29795" rIns="59590" bIns="29795" rtlCol="0" anchor="ctr">
             <a:normAutofit/>
           </a:bodyPr>
           <a:lstStyle/>
@@ -2988,15 +2988,15 @@
         </p:nvSpPr>
         <p:spPr>
           <a:xfrm>
-            <a:off x="194471" y="1117549"/>
-            <a:ext cx="3500438" cy="3160841"/>
+            <a:off x="239479" y="1369433"/>
+            <a:ext cx="4310541" cy="3873261"/>
           </a:xfrm>
           <a:prstGeom prst="rect">
             <a:avLst/>
           </a:prstGeom>
         </p:spPr>
         <p:txBody>
-          <a:bodyPr vert="horz" lIns="49365" tIns="24682" rIns="49365" bIns="24682" rtlCol="0">
+          <a:bodyPr vert="horz" lIns="59590" tIns="29795" rIns="59590" bIns="29795" rtlCol="0">
             <a:normAutofit/>
           </a:bodyPr>
           <a:lstStyle/>
@@ -3050,18 +3050,18 @@
         </p:nvSpPr>
         <p:spPr>
           <a:xfrm>
-            <a:off x="194473" y="4439151"/>
-            <a:ext cx="907521" cy="254994"/>
+            <a:off x="239482" y="5439689"/>
+            <a:ext cx="1117548" cy="312467"/>
           </a:xfrm>
           <a:prstGeom prst="rect">
             <a:avLst/>
           </a:prstGeom>
         </p:spPr>
         <p:txBody>
-          <a:bodyPr vert="horz" lIns="49365" tIns="24682" rIns="49365" bIns="24682" rtlCol="0" anchor="ctr"/>
+          <a:bodyPr vert="horz" lIns="59590" tIns="29795" rIns="59590" bIns="29795" rtlCol="0" anchor="ctr"/>
           <a:lstStyle>
             <a:lvl1pPr algn="l">
-              <a:defRPr sz="600">
+              <a:defRPr sz="700">
                 <a:solidFill>
                   <a:schemeClr val="tx1">
                     <a:tint val="75000"/>
@@ -3073,7 +3073,7 @@
           <a:p>
             <a:fld id="{252CF840-51FB-49D9-ADDC-0C52DA34DC77}" type="datetimeFigureOut">
               <a:rPr lang="en-US" smtClean="0"/>
-              <a:t>7/12/2017</a:t>
+              <a:t>7/13/2017</a:t>
             </a:fld>
             <a:endParaRPr lang="en-US"/>
           </a:p>
@@ -3091,18 +3091,18 @@
         </p:nvSpPr>
         <p:spPr>
           <a:xfrm>
-            <a:off x="1328871" y="4439151"/>
-            <a:ext cx="1231636" cy="254994"/>
+            <a:off x="1636412" y="5439689"/>
+            <a:ext cx="1516672" cy="312467"/>
           </a:xfrm>
           <a:prstGeom prst="rect">
             <a:avLst/>
           </a:prstGeom>
         </p:spPr>
         <p:txBody>
-          <a:bodyPr vert="horz" lIns="49365" tIns="24682" rIns="49365" bIns="24682" rtlCol="0" anchor="ctr"/>
+          <a:bodyPr vert="horz" lIns="59590" tIns="29795" rIns="59590" bIns="29795" rtlCol="0" anchor="ctr"/>
           <a:lstStyle>
             <a:lvl1pPr algn="ctr">
-              <a:defRPr sz="600">
+              <a:defRPr sz="700">
                 <a:solidFill>
                   <a:schemeClr val="tx1">
                     <a:tint val="75000"/>
@@ -3128,18 +3128,18 @@
         </p:nvSpPr>
         <p:spPr>
           <a:xfrm>
-            <a:off x="2787388" y="4439151"/>
-            <a:ext cx="907521" cy="254994"/>
+            <a:off x="3432472" y="5439689"/>
+            <a:ext cx="1117548" cy="312467"/>
           </a:xfrm>
           <a:prstGeom prst="rect">
             <a:avLst/>
           </a:prstGeom>
         </p:spPr>
         <p:txBody>
-          <a:bodyPr vert="horz" lIns="49365" tIns="24682" rIns="49365" bIns="24682" rtlCol="0" anchor="ctr"/>
+          <a:bodyPr vert="horz" lIns="59590" tIns="29795" rIns="59590" bIns="29795" rtlCol="0" anchor="ctr"/>
           <a:lstStyle>
             <a:lvl1pPr algn="r">
-              <a:defRPr sz="600">
+              <a:defRPr sz="700">
                 <a:solidFill>
                   <a:schemeClr val="tx1">
                     <a:tint val="75000"/>
@@ -3180,12 +3180,12 @@
   </p:sldLayoutIdLst>
   <p:txStyles>
     <p:titleStyle>
-      <a:lvl1pPr algn="ctr" defTabSz="493642" rtl="0" eaLnBrk="1" latinLnBrk="0" hangingPunct="1">
+      <a:lvl1pPr algn="ctr" defTabSz="595898" rtl="0" eaLnBrk="1" latinLnBrk="0" hangingPunct="1">
         <a:spcBef>
           <a:spcPct val="0"/>
         </a:spcBef>
         <a:buNone/>
-        <a:defRPr sz="2400" kern="1200">
+        <a:defRPr sz="2900" kern="1200">
           <a:solidFill>
             <a:schemeClr val="tx1"/>
           </a:solidFill>
@@ -3196,12 +3196,27 @@
       </a:lvl1pPr>
     </p:titleStyle>
     <p:bodyStyle>
-      <a:lvl1pPr marL="185116" indent="-185116" algn="l" defTabSz="493642" rtl="0" eaLnBrk="1" latinLnBrk="0" hangingPunct="1">
+      <a:lvl1pPr marL="223462" indent="-223462" algn="l" defTabSz="595898" rtl="0" eaLnBrk="1" latinLnBrk="0" hangingPunct="1">
         <a:spcBef>
           <a:spcPct val="20000"/>
         </a:spcBef>
         <a:buFont typeface="Arial" panose="020B0604020202020204" pitchFamily="34" charset="0"/>
         <a:buChar char="•"/>
+        <a:defRPr sz="2200" kern="1200">
+          <a:solidFill>
+            <a:schemeClr val="tx1"/>
+          </a:solidFill>
+          <a:latin typeface="+mn-lt"/>
+          <a:ea typeface="+mn-ea"/>
+          <a:cs typeface="+mn-cs"/>
+        </a:defRPr>
+      </a:lvl1pPr>
+      <a:lvl2pPr marL="484167" indent="-186218" algn="l" defTabSz="595898" rtl="0" eaLnBrk="1" latinLnBrk="0" hangingPunct="1">
+        <a:spcBef>
+          <a:spcPct val="20000"/>
+        </a:spcBef>
+        <a:buFont typeface="Arial" panose="020B0604020202020204" pitchFamily="34" charset="0"/>
+        <a:buChar char="–"/>
         <a:defRPr sz="1800" kern="1200">
           <a:solidFill>
             <a:schemeClr val="tx1"/>
@@ -3210,29 +3225,14 @@
           <a:ea typeface="+mn-ea"/>
           <a:cs typeface="+mn-cs"/>
         </a:defRPr>
-      </a:lvl1pPr>
-      <a:lvl2pPr marL="401084" indent="-154263" algn="l" defTabSz="493642" rtl="0" eaLnBrk="1" latinLnBrk="0" hangingPunct="1">
-        <a:spcBef>
-          <a:spcPct val="20000"/>
-        </a:spcBef>
-        <a:buFont typeface="Arial" panose="020B0604020202020204" pitchFamily="34" charset="0"/>
-        <a:buChar char="–"/>
-        <a:defRPr sz="1500" kern="1200">
-          <a:solidFill>
-            <a:schemeClr val="tx1"/>
-          </a:solidFill>
-          <a:latin typeface="+mn-lt"/>
-          <a:ea typeface="+mn-ea"/>
-          <a:cs typeface="+mn-cs"/>
-        </a:defRPr>
       </a:lvl2pPr>
-      <a:lvl3pPr marL="617052" indent="-123410" algn="l" defTabSz="493642" rtl="0" eaLnBrk="1" latinLnBrk="0" hangingPunct="1">
+      <a:lvl3pPr marL="744873" indent="-148974" algn="l" defTabSz="595898" rtl="0" eaLnBrk="1" latinLnBrk="0" hangingPunct="1">
         <a:spcBef>
           <a:spcPct val="20000"/>
         </a:spcBef>
         <a:buFont typeface="Arial" panose="020B0604020202020204" pitchFamily="34" charset="0"/>
         <a:buChar char="•"/>
-        <a:defRPr sz="1300" kern="1200">
+        <a:defRPr sz="1600" kern="1200">
           <a:solidFill>
             <a:schemeClr val="tx1"/>
           </a:solidFill>
@@ -3241,13 +3241,13 @@
           <a:cs typeface="+mn-cs"/>
         </a:defRPr>
       </a:lvl3pPr>
-      <a:lvl4pPr marL="863873" indent="-123410" algn="l" defTabSz="493642" rtl="0" eaLnBrk="1" latinLnBrk="0" hangingPunct="1">
+      <a:lvl4pPr marL="1042821" indent="-148974" algn="l" defTabSz="595898" rtl="0" eaLnBrk="1" latinLnBrk="0" hangingPunct="1">
         <a:spcBef>
           <a:spcPct val="20000"/>
         </a:spcBef>
         <a:buFont typeface="Arial" panose="020B0604020202020204" pitchFamily="34" charset="0"/>
         <a:buChar char="–"/>
-        <a:defRPr sz="1100" kern="1200">
+        <a:defRPr sz="1400" kern="1200">
           <a:solidFill>
             <a:schemeClr val="tx1"/>
           </a:solidFill>
@@ -3256,13 +3256,13 @@
           <a:cs typeface="+mn-cs"/>
         </a:defRPr>
       </a:lvl4pPr>
-      <a:lvl5pPr marL="1110694" indent="-123410" algn="l" defTabSz="493642" rtl="0" eaLnBrk="1" latinLnBrk="0" hangingPunct="1">
+      <a:lvl5pPr marL="1340771" indent="-148974" algn="l" defTabSz="595898" rtl="0" eaLnBrk="1" latinLnBrk="0" hangingPunct="1">
         <a:spcBef>
           <a:spcPct val="20000"/>
         </a:spcBef>
         <a:buFont typeface="Arial" panose="020B0604020202020204" pitchFamily="34" charset="0"/>
         <a:buChar char="»"/>
-        <a:defRPr sz="1100" kern="1200">
+        <a:defRPr sz="1400" kern="1200">
           <a:solidFill>
             <a:schemeClr val="tx1"/>
           </a:solidFill>
@@ -3271,13 +3271,13 @@
           <a:cs typeface="+mn-cs"/>
         </a:defRPr>
       </a:lvl5pPr>
-      <a:lvl6pPr marL="1357515" indent="-123410" algn="l" defTabSz="493642" rtl="0" eaLnBrk="1" latinLnBrk="0" hangingPunct="1">
+      <a:lvl6pPr marL="1638720" indent="-148974" algn="l" defTabSz="595898" rtl="0" eaLnBrk="1" latinLnBrk="0" hangingPunct="1">
         <a:spcBef>
           <a:spcPct val="20000"/>
         </a:spcBef>
         <a:buFont typeface="Arial" panose="020B0604020202020204" pitchFamily="34" charset="0"/>
         <a:buChar char="•"/>
-        <a:defRPr sz="1100" kern="1200">
+        <a:defRPr sz="1400" kern="1200">
           <a:solidFill>
             <a:schemeClr val="tx1"/>
           </a:solidFill>
@@ -3286,13 +3286,13 @@
           <a:cs typeface="+mn-cs"/>
         </a:defRPr>
       </a:lvl6pPr>
-      <a:lvl7pPr marL="1604336" indent="-123410" algn="l" defTabSz="493642" rtl="0" eaLnBrk="1" latinLnBrk="0" hangingPunct="1">
+      <a:lvl7pPr marL="1936669" indent="-148974" algn="l" defTabSz="595898" rtl="0" eaLnBrk="1" latinLnBrk="0" hangingPunct="1">
         <a:spcBef>
           <a:spcPct val="20000"/>
         </a:spcBef>
         <a:buFont typeface="Arial" panose="020B0604020202020204" pitchFamily="34" charset="0"/>
         <a:buChar char="•"/>
-        <a:defRPr sz="1100" kern="1200">
+        <a:defRPr sz="1400" kern="1200">
           <a:solidFill>
             <a:schemeClr val="tx1"/>
           </a:solidFill>
@@ -3301,13 +3301,13 @@
           <a:cs typeface="+mn-cs"/>
         </a:defRPr>
       </a:lvl7pPr>
-      <a:lvl8pPr marL="1851157" indent="-123410" algn="l" defTabSz="493642" rtl="0" eaLnBrk="1" latinLnBrk="0" hangingPunct="1">
+      <a:lvl8pPr marL="2234619" indent="-148974" algn="l" defTabSz="595898" rtl="0" eaLnBrk="1" latinLnBrk="0" hangingPunct="1">
         <a:spcBef>
           <a:spcPct val="20000"/>
         </a:spcBef>
         <a:buFont typeface="Arial" panose="020B0604020202020204" pitchFamily="34" charset="0"/>
         <a:buChar char="•"/>
-        <a:defRPr sz="1100" kern="1200">
+        <a:defRPr sz="1400" kern="1200">
           <a:solidFill>
             <a:schemeClr val="tx1"/>
           </a:solidFill>
@@ -3316,13 +3316,13 @@
           <a:cs typeface="+mn-cs"/>
         </a:defRPr>
       </a:lvl8pPr>
-      <a:lvl9pPr marL="2097978" indent="-123410" algn="l" defTabSz="493642" rtl="0" eaLnBrk="1" latinLnBrk="0" hangingPunct="1">
+      <a:lvl9pPr marL="2532567" indent="-148974" algn="l" defTabSz="595898" rtl="0" eaLnBrk="1" latinLnBrk="0" hangingPunct="1">
         <a:spcBef>
           <a:spcPct val="20000"/>
         </a:spcBef>
         <a:buFont typeface="Arial" panose="020B0604020202020204" pitchFamily="34" charset="0"/>
         <a:buChar char="•"/>
-        <a:defRPr sz="1100" kern="1200">
+        <a:defRPr sz="1400" kern="1200">
           <a:solidFill>
             <a:schemeClr val="tx1"/>
           </a:solidFill>
@@ -3336,8 +3336,8 @@
       <a:defPPr>
         <a:defRPr lang="en-US"/>
       </a:defPPr>
-      <a:lvl1pPr marL="0" algn="l" defTabSz="493642" rtl="0" eaLnBrk="1" latinLnBrk="0" hangingPunct="1">
-        <a:defRPr sz="1000" kern="1200">
+      <a:lvl1pPr marL="0" algn="l" defTabSz="595898" rtl="0" eaLnBrk="1" latinLnBrk="0" hangingPunct="1">
+        <a:defRPr sz="1200" kern="1200">
           <a:solidFill>
             <a:schemeClr val="tx1"/>
           </a:solidFill>
@@ -3346,8 +3346,8 @@
           <a:cs typeface="+mn-cs"/>
         </a:defRPr>
       </a:lvl1pPr>
-      <a:lvl2pPr marL="246821" algn="l" defTabSz="493642" rtl="0" eaLnBrk="1" latinLnBrk="0" hangingPunct="1">
-        <a:defRPr sz="1000" kern="1200">
+      <a:lvl2pPr marL="297950" algn="l" defTabSz="595898" rtl="0" eaLnBrk="1" latinLnBrk="0" hangingPunct="1">
+        <a:defRPr sz="1200" kern="1200">
           <a:solidFill>
             <a:schemeClr val="tx1"/>
           </a:solidFill>
@@ -3356,8 +3356,8 @@
           <a:cs typeface="+mn-cs"/>
         </a:defRPr>
       </a:lvl2pPr>
-      <a:lvl3pPr marL="493642" algn="l" defTabSz="493642" rtl="0" eaLnBrk="1" latinLnBrk="0" hangingPunct="1">
-        <a:defRPr sz="1000" kern="1200">
+      <a:lvl3pPr marL="595898" algn="l" defTabSz="595898" rtl="0" eaLnBrk="1" latinLnBrk="0" hangingPunct="1">
+        <a:defRPr sz="1200" kern="1200">
           <a:solidFill>
             <a:schemeClr val="tx1"/>
           </a:solidFill>
@@ -3366,8 +3366,8 @@
           <a:cs typeface="+mn-cs"/>
         </a:defRPr>
       </a:lvl3pPr>
-      <a:lvl4pPr marL="740463" algn="l" defTabSz="493642" rtl="0" eaLnBrk="1" latinLnBrk="0" hangingPunct="1">
-        <a:defRPr sz="1000" kern="1200">
+      <a:lvl4pPr marL="893848" algn="l" defTabSz="595898" rtl="0" eaLnBrk="1" latinLnBrk="0" hangingPunct="1">
+        <a:defRPr sz="1200" kern="1200">
           <a:solidFill>
             <a:schemeClr val="tx1"/>
           </a:solidFill>
@@ -3376,8 +3376,8 @@
           <a:cs typeface="+mn-cs"/>
         </a:defRPr>
       </a:lvl4pPr>
-      <a:lvl5pPr marL="987283" algn="l" defTabSz="493642" rtl="0" eaLnBrk="1" latinLnBrk="0" hangingPunct="1">
-        <a:defRPr sz="1000" kern="1200">
+      <a:lvl5pPr marL="1191795" algn="l" defTabSz="595898" rtl="0" eaLnBrk="1" latinLnBrk="0" hangingPunct="1">
+        <a:defRPr sz="1200" kern="1200">
           <a:solidFill>
             <a:schemeClr val="tx1"/>
           </a:solidFill>
@@ -3386,8 +3386,8 @@
           <a:cs typeface="+mn-cs"/>
         </a:defRPr>
       </a:lvl5pPr>
-      <a:lvl6pPr marL="1234105" algn="l" defTabSz="493642" rtl="0" eaLnBrk="1" latinLnBrk="0" hangingPunct="1">
-        <a:defRPr sz="1000" kern="1200">
+      <a:lvl6pPr marL="1489746" algn="l" defTabSz="595898" rtl="0" eaLnBrk="1" latinLnBrk="0" hangingPunct="1">
+        <a:defRPr sz="1200" kern="1200">
           <a:solidFill>
             <a:schemeClr val="tx1"/>
           </a:solidFill>
@@ -3396,8 +3396,8 @@
           <a:cs typeface="+mn-cs"/>
         </a:defRPr>
       </a:lvl6pPr>
-      <a:lvl7pPr marL="1480925" algn="l" defTabSz="493642" rtl="0" eaLnBrk="1" latinLnBrk="0" hangingPunct="1">
-        <a:defRPr sz="1000" kern="1200">
+      <a:lvl7pPr marL="1787694" algn="l" defTabSz="595898" rtl="0" eaLnBrk="1" latinLnBrk="0" hangingPunct="1">
+        <a:defRPr sz="1200" kern="1200">
           <a:solidFill>
             <a:schemeClr val="tx1"/>
           </a:solidFill>
@@ -3406,8 +3406,8 @@
           <a:cs typeface="+mn-cs"/>
         </a:defRPr>
       </a:lvl7pPr>
-      <a:lvl8pPr marL="1727747" algn="l" defTabSz="493642" rtl="0" eaLnBrk="1" latinLnBrk="0" hangingPunct="1">
-        <a:defRPr sz="1000" kern="1200">
+      <a:lvl8pPr marL="2085644" algn="l" defTabSz="595898" rtl="0" eaLnBrk="1" latinLnBrk="0" hangingPunct="1">
+        <a:defRPr sz="1200" kern="1200">
           <a:solidFill>
             <a:schemeClr val="tx1"/>
           </a:solidFill>
@@ -3416,8 +3416,8 @@
           <a:cs typeface="+mn-cs"/>
         </a:defRPr>
       </a:lvl8pPr>
-      <a:lvl9pPr marL="1974567" algn="l" defTabSz="493642" rtl="0" eaLnBrk="1" latinLnBrk="0" hangingPunct="1">
-        <a:defRPr sz="1000" kern="1200">
+      <a:lvl9pPr marL="2383593" algn="l" defTabSz="595898" rtl="0" eaLnBrk="1" latinLnBrk="0" hangingPunct="1">
+        <a:defRPr sz="1200" kern="1200">
           <a:solidFill>
             <a:schemeClr val="tx1"/>
           </a:solidFill>
@@ -3450,27 +3450,29 @@
       </p:grpSpPr>
       <p:pic>
         <p:nvPicPr>
-          <p:cNvPr id="38" name="Picture 122"/>
+          <p:cNvPr id="4" name="Picture 2"/>
           <p:cNvPicPr>
             <a:picLocks noChangeAspect="1" noChangeArrowheads="1"/>
           </p:cNvPicPr>
           <p:nvPr/>
         </p:nvPicPr>
-        <p:blipFill rotWithShape="1">
-          <a:blip r:embed="rId2" cstate="print">
+        <p:blipFill>
+          <a:blip r:embed="rId2">
             <a:extLst>
               <a:ext uri="{28A0092B-C50C-407E-A947-70E740481C1C}">
                 <a14:useLocalDpi xmlns:a14="http://schemas.microsoft.com/office/drawing/2010/main" val="0"/>
               </a:ext>
             </a:extLst>
           </a:blip>
-          <a:srcRect t="2774"/>
-          <a:stretch/>
+          <a:srcRect/>
+          <a:stretch>
+            <a:fillRect/>
+          </a:stretch>
         </p:blipFill>
         <p:spPr bwMode="auto">
           <a:xfrm>
-            <a:off x="-144115" y="27471"/>
-            <a:ext cx="4241844" cy="4886982"/>
+            <a:off x="-151682" y="-140569"/>
+            <a:ext cx="5192713" cy="6153150"/>
           </a:xfrm>
           <a:prstGeom prst="rect">
             <a:avLst/>
